--- a/roadmap.pptx
+++ b/roadmap.pptx
@@ -13436,7 +13436,70 @@
           <a:p>
             <a:r>
               <a:rPr lang="en-US" dirty="0" smtClean="0"/>
-              <a:t>Please embed the links for the submission done on IBM Cloud here</a:t>
+              <a:t>Please embed the links for the submission done on IBM Cloud </a:t>
+            </a:r>
+            <a:r>
+              <a:rPr lang="en-US" dirty="0" smtClean="0"/>
+              <a:t>here</a:t>
+            </a:r>
+          </a:p>
+          <a:p>
+            <a:r>
+              <a:rPr lang="en-US" dirty="0"/>
+              <a:t> </a:t>
+            </a:r>
+            <a:r>
+              <a:rPr lang="en-US" dirty="0" smtClean="0"/>
+              <a:t>  </a:t>
+            </a:r>
+            <a:r>
+              <a:rPr lang="en-US" dirty="0" err="1" smtClean="0"/>
+              <a:t>Github</a:t>
+            </a:r>
+            <a:r>
+              <a:rPr lang="en-US" dirty="0" smtClean="0"/>
+              <a:t> link :     </a:t>
+            </a:r>
+            <a:r>
+              <a:rPr lang="en-US" dirty="0" smtClean="0">
+                <a:hlinkClick r:id="rId2"/>
+              </a:rPr>
+              <a:t>https</a:t>
+            </a:r>
+            <a:r>
+              <a:rPr lang="en-US" dirty="0">
+                <a:hlinkClick r:id="rId2"/>
+              </a:rPr>
+              <a:t>://</a:t>
+            </a:r>
+            <a:r>
+              <a:rPr lang="en-US" dirty="0" smtClean="0">
+                <a:hlinkClick r:id="rId2"/>
+              </a:rPr>
+              <a:t>github.com/joymaitra/CFC2020</a:t>
+            </a:r>
+            <a:endParaRPr lang="en-US" dirty="0" smtClean="0"/>
+          </a:p>
+          <a:p>
+            <a:r>
+              <a:rPr lang="en-US" dirty="0"/>
+              <a:t> </a:t>
+            </a:r>
+            <a:r>
+              <a:rPr lang="en-US" dirty="0" smtClean="0"/>
+              <a:t>  </a:t>
+            </a:r>
+            <a:r>
+              <a:rPr lang="en-US" dirty="0" err="1" smtClean="0"/>
+              <a:t>Youtube</a:t>
+            </a:r>
+            <a:r>
+              <a:rPr lang="en-US" dirty="0" smtClean="0"/>
+              <a:t> link </a:t>
+            </a:r>
+            <a:r>
+              <a:rPr lang="en-US"/>
+              <a:t>:   https://youtu.be/JwvFwoa1WFM</a:t>
             </a:r>
             <a:endParaRPr lang="en-US" dirty="0"/>
           </a:p>
@@ -13502,7 +13565,7 @@
           <p:nvPr/>
         </p:nvPicPr>
         <p:blipFill>
-          <a:blip r:embed="rId2"/>
+          <a:blip r:embed="rId3"/>
           <a:stretch>
             <a:fillRect/>
           </a:stretch>
@@ -13526,7 +13589,7 @@
           <p:nvPr/>
         </p:nvPicPr>
         <p:blipFill>
-          <a:blip r:embed="rId3"/>
+          <a:blip r:embed="rId4"/>
           <a:stretch>
             <a:fillRect/>
           </a:stretch>
@@ -13550,7 +13613,7 @@
           <p:nvPr/>
         </p:nvPicPr>
         <p:blipFill>
-          <a:blip r:embed="rId4" cstate="print">
+          <a:blip r:embed="rId5" cstate="print">
             <a:extLst>
               <a:ext uri="{28A0092B-C50C-407E-A947-70E740481C1C}">
                 <a14:useLocalDpi xmlns:a14="http://schemas.microsoft.com/office/drawing/2010/main" val="0"/>
@@ -13580,7 +13643,7 @@
           <p:nvPr/>
         </p:nvPicPr>
         <p:blipFill>
-          <a:blip r:embed="rId5" cstate="print">
+          <a:blip r:embed="rId6" cstate="print">
             <a:extLst>
               <a:ext uri="{28A0092B-C50C-407E-A947-70E740481C1C}">
                 <a14:useLocalDpi xmlns:a14="http://schemas.microsoft.com/office/drawing/2010/main" val="0"/>
@@ -13610,7 +13673,7 @@
           <p:nvPr/>
         </p:nvPicPr>
         <p:blipFill>
-          <a:blip r:embed="rId6" cstate="print">
+          <a:blip r:embed="rId7" cstate="print">
             <a:extLst>
               <a:ext uri="{28A0092B-C50C-407E-A947-70E740481C1C}">
                 <a14:useLocalDpi xmlns:a14="http://schemas.microsoft.com/office/drawing/2010/main" val="0"/>
@@ -13739,7 +13802,7 @@
           <p:nvPr/>
         </p:nvPicPr>
         <p:blipFill>
-          <a:blip r:embed="rId7" cstate="print">
+          <a:blip r:embed="rId8" cstate="print">
             <a:extLst>
               <a:ext uri="{28A0092B-C50C-407E-A947-70E740481C1C}">
                 <a14:useLocalDpi xmlns:a14="http://schemas.microsoft.com/office/drawing/2010/main" val="0"/>
@@ -13769,7 +13832,7 @@
           <p:nvPr/>
         </p:nvPicPr>
         <p:blipFill>
-          <a:blip r:embed="rId8" cstate="print">
+          <a:blip r:embed="rId9" cstate="print">
             <a:extLst>
               <a:ext uri="{28A0092B-C50C-407E-A947-70E740481C1C}">
                 <a14:useLocalDpi xmlns:a14="http://schemas.microsoft.com/office/drawing/2010/main" val="0"/>
@@ -13799,7 +13862,7 @@
           <p:nvPr/>
         </p:nvPicPr>
         <p:blipFill>
-          <a:blip r:embed="rId9" cstate="print">
+          <a:blip r:embed="rId10" cstate="print">
             <a:extLst>
               <a:ext uri="{28A0092B-C50C-407E-A947-70E740481C1C}">
                 <a14:useLocalDpi xmlns:a14="http://schemas.microsoft.com/office/drawing/2010/main" val="0"/>
@@ -13829,7 +13892,7 @@
           <p:nvPr/>
         </p:nvPicPr>
         <p:blipFill>
-          <a:blip r:embed="rId10" cstate="print">
+          <a:blip r:embed="rId11" cstate="print">
             <a:extLst>
               <a:ext uri="{28A0092B-C50C-407E-A947-70E740481C1C}">
                 <a14:useLocalDpi xmlns:a14="http://schemas.microsoft.com/office/drawing/2010/main" val="0"/>
@@ -13894,7 +13957,7 @@
           <p:nvPr/>
         </p:nvPicPr>
         <p:blipFill>
-          <a:blip r:embed="rId11" cstate="print">
+          <a:blip r:embed="rId12" cstate="print">
             <a:extLst>
               <a:ext uri="{28A0092B-C50C-407E-A947-70E740481C1C}">
                 <a14:useLocalDpi xmlns:a14="http://schemas.microsoft.com/office/drawing/2010/main" val="0"/>
@@ -13957,7 +14020,7 @@
           <p:nvPr/>
         </p:nvPicPr>
         <p:blipFill>
-          <a:blip r:embed="rId12" cstate="print">
+          <a:blip r:embed="rId13" cstate="print">
             <a:extLst>
               <a:ext uri="{28A0092B-C50C-407E-A947-70E740481C1C}">
                 <a14:useLocalDpi xmlns:a14="http://schemas.microsoft.com/office/drawing/2010/main" val="0"/>
@@ -14020,7 +14083,7 @@
           <p:nvPr/>
         </p:nvPicPr>
         <p:blipFill>
-          <a:blip r:embed="rId13" cstate="print">
+          <a:blip r:embed="rId14" cstate="print">
             <a:extLst>
               <a:ext uri="{28A0092B-C50C-407E-A947-70E740481C1C}">
                 <a14:useLocalDpi xmlns:a14="http://schemas.microsoft.com/office/drawing/2010/main" val="0"/>
@@ -14050,7 +14113,7 @@
           <p:nvPr/>
         </p:nvPicPr>
         <p:blipFill>
-          <a:blip r:embed="rId14" cstate="print">
+          <a:blip r:embed="rId15" cstate="print">
             <a:extLst>
               <a:ext uri="{28A0092B-C50C-407E-A947-70E740481C1C}">
                 <a14:useLocalDpi xmlns:a14="http://schemas.microsoft.com/office/drawing/2010/main" val="0"/>
@@ -14080,7 +14143,7 @@
           <p:nvPr/>
         </p:nvPicPr>
         <p:blipFill>
-          <a:blip r:embed="rId15" cstate="print">
+          <a:blip r:embed="rId16" cstate="print">
             <a:extLst>
               <a:ext uri="{28A0092B-C50C-407E-A947-70E740481C1C}">
                 <a14:useLocalDpi xmlns:a14="http://schemas.microsoft.com/office/drawing/2010/main" val="0"/>
@@ -14110,7 +14173,7 @@
           <p:nvPr/>
         </p:nvPicPr>
         <p:blipFill>
-          <a:blip r:embed="rId16" cstate="print">
+          <a:blip r:embed="rId17" cstate="print">
             <a:extLst>
               <a:ext uri="{28A0092B-C50C-407E-A947-70E740481C1C}">
                 <a14:useLocalDpi xmlns:a14="http://schemas.microsoft.com/office/drawing/2010/main" val="0"/>
@@ -14140,7 +14203,7 @@
           <p:nvPr/>
         </p:nvPicPr>
         <p:blipFill>
-          <a:blip r:embed="rId6" cstate="print">
+          <a:blip r:embed="rId7" cstate="print">
             <a:extLst>
               <a:ext uri="{28A0092B-C50C-407E-A947-70E740481C1C}">
                 <a14:useLocalDpi xmlns:a14="http://schemas.microsoft.com/office/drawing/2010/main" val="0"/>
@@ -14170,7 +14233,7 @@
           <p:nvPr/>
         </p:nvPicPr>
         <p:blipFill>
-          <a:blip r:embed="rId6" cstate="print">
+          <a:blip r:embed="rId7" cstate="print">
             <a:extLst>
               <a:ext uri="{28A0092B-C50C-407E-A947-70E740481C1C}">
                 <a14:useLocalDpi xmlns:a14="http://schemas.microsoft.com/office/drawing/2010/main" val="0"/>
@@ -14200,7 +14263,7 @@
           <p:nvPr/>
         </p:nvPicPr>
         <p:blipFill>
-          <a:blip r:embed="rId5" cstate="print">
+          <a:blip r:embed="rId6" cstate="print">
             <a:extLst>
               <a:ext uri="{28A0092B-C50C-407E-A947-70E740481C1C}">
                 <a14:useLocalDpi xmlns:a14="http://schemas.microsoft.com/office/drawing/2010/main" val="0"/>
@@ -14359,7 +14422,7 @@
           <p:nvPr/>
         </p:nvPicPr>
         <p:blipFill>
-          <a:blip r:embed="rId17" cstate="print">
+          <a:blip r:embed="rId18" cstate="print">
             <a:extLst>
               <a:ext uri="{28A0092B-C50C-407E-A947-70E740481C1C}">
                 <a14:useLocalDpi xmlns:a14="http://schemas.microsoft.com/office/drawing/2010/main" val="0"/>
@@ -14424,7 +14487,7 @@
           <p:nvPr/>
         </p:nvPicPr>
         <p:blipFill>
-          <a:blip r:embed="rId17" cstate="print">
+          <a:blip r:embed="rId18" cstate="print">
             <a:extLst>
               <a:ext uri="{28A0092B-C50C-407E-A947-70E740481C1C}">
                 <a14:useLocalDpi xmlns:a14="http://schemas.microsoft.com/office/drawing/2010/main" val="0"/>
